--- a/app/assets/images/プレゼンテーション1.pptx
+++ b/app/assets/images/プレゼンテーション1.pptx
@@ -3559,12 +3559,42 @@
           <a:chExt cx="0" cy="0"/>
         </a:xfrm>
       </p:grpSpPr>
-      <p:sp>
-        <p:nvSpPr>
-          <p:cNvPr id="42" name="角丸四角形 41">
-            <a:extLst>
-              <a:ext uri="{FF2B5EF4-FFF2-40B4-BE49-F238E27FC236}">
-                <a16:creationId xmlns:a16="http://schemas.microsoft.com/office/drawing/2014/main" id="{60E652A6-CA2B-5E4E-8C44-6F184ED7201B}"/>
+      <p:pic>
+        <p:nvPicPr>
+          <p:cNvPr id="7" name="図 6">
+            <a:extLst>
+              <a:ext uri="{FF2B5EF4-FFF2-40B4-BE49-F238E27FC236}">
+                <a16:creationId xmlns:a16="http://schemas.microsoft.com/office/drawing/2014/main" id="{7BBDA437-4D42-7346-8F9B-D3B5C4F4B9E1}"/>
+              </a:ext>
+            </a:extLst>
+          </p:cNvPr>
+          <p:cNvPicPr>
+            <a:picLocks noChangeAspect="1"/>
+          </p:cNvPicPr>
+          <p:nvPr/>
+        </p:nvPicPr>
+        <p:blipFill>
+          <a:blip r:embed="rId2"/>
+          <a:stretch>
+            <a:fillRect/>
+          </a:stretch>
+        </p:blipFill>
+        <p:spPr>
+          <a:xfrm>
+            <a:off x="3270499" y="4273230"/>
+            <a:ext cx="7401312" cy="2655765"/>
+          </a:xfrm>
+          <a:prstGeom prst="rect">
+            <a:avLst/>
+          </a:prstGeom>
+        </p:spPr>
+      </p:pic>
+      <p:sp>
+        <p:nvSpPr>
+          <p:cNvPr id="71" name="正方形/長方形 70">
+            <a:extLst>
+              <a:ext uri="{FF2B5EF4-FFF2-40B4-BE49-F238E27FC236}">
+                <a16:creationId xmlns:a16="http://schemas.microsoft.com/office/drawing/2014/main" id="{174D9D59-36EF-BA42-9C9B-B6855D2670FB}"/>
               </a:ext>
             </a:extLst>
           </p:cNvPr>
@@ -3573,14 +3603,14 @@
         </p:nvSpPr>
         <p:spPr>
           <a:xfrm>
-            <a:off x="813059" y="1055077"/>
-            <a:ext cx="7401312" cy="1384445"/>
+            <a:off x="2518611" y="3898232"/>
+            <a:ext cx="8153200" cy="2101515"/>
           </a:xfrm>
-          <a:prstGeom prst="roundRect">
+          <a:prstGeom prst="rect">
             <a:avLst/>
           </a:prstGeom>
           <a:solidFill>
-            <a:srgbClr val="7DDFD4"/>
+            <a:schemeClr val="bg1"/>
           </a:solidFill>
           <a:ln>
             <a:noFill/>
@@ -3611,36 +3641,6 @@
           </a:p>
         </p:txBody>
       </p:sp>
-      <p:pic>
-        <p:nvPicPr>
-          <p:cNvPr id="7" name="図 6">
-            <a:extLst>
-              <a:ext uri="{FF2B5EF4-FFF2-40B4-BE49-F238E27FC236}">
-                <a16:creationId xmlns:a16="http://schemas.microsoft.com/office/drawing/2014/main" id="{7BBDA437-4D42-7346-8F9B-D3B5C4F4B9E1}"/>
-              </a:ext>
-            </a:extLst>
-          </p:cNvPr>
-          <p:cNvPicPr>
-            <a:picLocks noChangeAspect="1"/>
-          </p:cNvPicPr>
-          <p:nvPr/>
-        </p:nvPicPr>
-        <p:blipFill>
-          <a:blip r:embed="rId2"/>
-          <a:stretch>
-            <a:fillRect/>
-          </a:stretch>
-        </p:blipFill>
-        <p:spPr>
-          <a:xfrm>
-            <a:off x="3270499" y="4273230"/>
-            <a:ext cx="7401312" cy="2655765"/>
-          </a:xfrm>
-          <a:prstGeom prst="rect">
-            <a:avLst/>
-          </a:prstGeom>
-        </p:spPr>
-      </p:pic>
       <p:graphicFrame>
         <p:nvGraphicFramePr>
           <p:cNvPr id="57" name="表 56">
@@ -3656,13 +3656,13 @@
           <p:nvPr>
             <p:extLst>
               <p:ext uri="{D42A27DB-BD31-4B8C-83A1-F6EECF244321}">
-                <p14:modId xmlns:p14="http://schemas.microsoft.com/office/powerpoint/2010/main" val="1888471805"/>
+                <p14:modId xmlns:p14="http://schemas.microsoft.com/office/powerpoint/2010/main" val="995513231"/>
               </p:ext>
             </p:extLst>
           </p:nvPr>
         </p:nvGraphicFramePr>
         <p:xfrm>
-          <a:off x="948837" y="1071119"/>
+          <a:off x="3406277" y="4439055"/>
           <a:ext cx="7161839" cy="1371600"/>
         </p:xfrm>
         <a:graphic>
